--- a/Documentation/CENG317.pptx
+++ b/Documentation/CENG317.pptx
@@ -5,10 +5,13 @@
     <p:sldMasterId id="2147483648" r:id="rId1"/>
   </p:sldMasterIdLst>
   <p:sldIdLst>
-    <p:sldId id="256" r:id="rId2"/>
-    <p:sldId id="257" r:id="rId3"/>
-    <p:sldId id="258" r:id="rId4"/>
-    <p:sldId id="259" r:id="rId5"/>
+    <p:sldId id="261" r:id="rId2"/>
+    <p:sldId id="256" r:id="rId3"/>
+    <p:sldId id="257" r:id="rId4"/>
+    <p:sldId id="260" r:id="rId5"/>
+    <p:sldId id="258" r:id="rId6"/>
+    <p:sldId id="259" r:id="rId7"/>
+    <p:sldId id="262" r:id="rId8"/>
   </p:sldIdLst>
   <p:sldSz cx="12192000" cy="6858000"/>
   <p:notesSz cx="6858000" cy="9144000"/>
@@ -107,6 +110,11 @@
       </a:defRPr>
     </a:lvl9pPr>
   </p:defaultTextStyle>
+  <p:extLst>
+    <p:ext uri="{EFAFB233-063F-42B5-8137-9DF3F51BA10A}">
+      <p15:sldGuideLst xmlns:p15="http://schemas.microsoft.com/office/powerpoint/2012/main"/>
+    </p:ext>
+  </p:extLst>
 </p:presentation>
 </file>
 
@@ -241,7 +249,7 @@
           <a:p>
             <a:fld id="{F3CC9C1A-FDE2-44FE-BC47-08E0C6DE8D40}" type="datetimeFigureOut">
               <a:rPr lang="en-CA" smtClean="0"/>
-              <a:t>2018-12-03</a:t>
+              <a:t>2018-12-04</a:t>
             </a:fld>
             <a:endParaRPr lang="en-CA"/>
           </a:p>
@@ -2562,7 +2570,7 @@
           <a:p>
             <a:fld id="{F3CC9C1A-FDE2-44FE-BC47-08E0C6DE8D40}" type="datetimeFigureOut">
               <a:rPr lang="en-CA" smtClean="0"/>
-              <a:t>2018-12-03</a:t>
+              <a:t>2018-12-04</a:t>
             </a:fld>
             <a:endParaRPr lang="en-CA"/>
           </a:p>
@@ -2967,6 +2975,74 @@
           <a:chExt cx="0" cy="0"/>
         </a:xfrm>
       </p:grpSpPr>
+      <p:sp>
+        <p:nvSpPr>
+          <p:cNvPr id="2" name="Title 1"/>
+          <p:cNvSpPr>
+            <a:spLocks noGrp="1"/>
+          </p:cNvSpPr>
+          <p:nvPr>
+            <p:ph type="ctrTitle"/>
+          </p:nvPr>
+        </p:nvSpPr>
+        <p:spPr/>
+        <p:txBody>
+          <a:bodyPr/>
+          <a:lstStyle/>
+          <a:p>
+            <a:endParaRPr lang="en-US" dirty="0"/>
+          </a:p>
+        </p:txBody>
+      </p:sp>
+      <p:sp>
+        <p:nvSpPr>
+          <p:cNvPr id="3" name="Subtitle 2"/>
+          <p:cNvSpPr>
+            <a:spLocks noGrp="1"/>
+          </p:cNvSpPr>
+          <p:nvPr>
+            <p:ph type="subTitle" idx="1"/>
+          </p:nvPr>
+        </p:nvSpPr>
+        <p:spPr/>
+        <p:txBody>
+          <a:bodyPr/>
+          <a:lstStyle/>
+          <a:p>
+            <a:endParaRPr lang="en-US"/>
+          </a:p>
+        </p:txBody>
+      </p:sp>
+    </p:spTree>
+    <p:extLst>
+      <p:ext uri="{BB962C8B-B14F-4D97-AF65-F5344CB8AC3E}">
+        <p14:creationId xmlns:p14="http://schemas.microsoft.com/office/powerpoint/2010/main" val="2028768961"/>
+      </p:ext>
+    </p:extLst>
+  </p:cSld>
+  <p:clrMapOvr>
+    <a:masterClrMapping/>
+  </p:clrMapOvr>
+</p:sld>
+</file>
+
+<file path=ppt/slides/slide2.xml><?xml version="1.0" encoding="utf-8"?>
+<p:sld xmlns:a="http://schemas.openxmlformats.org/drawingml/2006/main" xmlns:r="http://schemas.openxmlformats.org/officeDocument/2006/relationships" xmlns:p="http://schemas.openxmlformats.org/presentationml/2006/main">
+  <p:cSld>
+    <p:spTree>
+      <p:nvGrpSpPr>
+        <p:cNvPr id="1" name=""/>
+        <p:cNvGrpSpPr/>
+        <p:nvPr/>
+      </p:nvGrpSpPr>
+      <p:grpSpPr>
+        <a:xfrm>
+          <a:off x="0" y="0"/>
+          <a:ext cx="0" cy="0"/>
+          <a:chOff x="0" y="0"/>
+          <a:chExt cx="0" cy="0"/>
+        </a:xfrm>
+      </p:grpSpPr>
       <p:pic>
         <p:nvPicPr>
           <p:cNvPr id="4" name="Picture 3"/>
@@ -3037,7 +3113,7 @@
 </p:sld>
 </file>
 
-<file path=ppt/slides/slide2.xml><?xml version="1.0" encoding="utf-8"?>
+<file path=ppt/slides/slide3.xml><?xml version="1.0" encoding="utf-8"?>
 <p:sld xmlns:a="http://schemas.openxmlformats.org/drawingml/2006/main" xmlns:r="http://schemas.openxmlformats.org/officeDocument/2006/relationships" xmlns:p="http://schemas.openxmlformats.org/presentationml/2006/main">
   <p:cSld>
     <p:spTree>
@@ -3121,7 +3197,90 @@
 </p:sld>
 </file>
 
-<file path=ppt/slides/slide3.xml><?xml version="1.0" encoding="utf-8"?>
+<file path=ppt/slides/slide4.xml><?xml version="1.0" encoding="utf-8"?>
+<p:sld xmlns:a="http://schemas.openxmlformats.org/drawingml/2006/main" xmlns:r="http://schemas.openxmlformats.org/officeDocument/2006/relationships" xmlns:p="http://schemas.openxmlformats.org/presentationml/2006/main">
+  <p:cSld>
+    <p:spTree>
+      <p:nvGrpSpPr>
+        <p:cNvPr id="1" name=""/>
+        <p:cNvGrpSpPr/>
+        <p:nvPr/>
+      </p:nvGrpSpPr>
+      <p:grpSpPr>
+        <a:xfrm>
+          <a:off x="0" y="0"/>
+          <a:ext cx="0" cy="0"/>
+          <a:chOff x="0" y="0"/>
+          <a:chExt cx="0" cy="0"/>
+        </a:xfrm>
+      </p:grpSpPr>
+      <p:sp>
+        <p:nvSpPr>
+          <p:cNvPr id="3" name="Content Placeholder 2"/>
+          <p:cNvSpPr>
+            <a:spLocks noGrp="1"/>
+          </p:cNvSpPr>
+          <p:nvPr>
+            <p:ph idx="1"/>
+          </p:nvPr>
+        </p:nvSpPr>
+        <p:spPr>
+          <a:xfrm>
+            <a:off x="838200" y="5854261"/>
+            <a:ext cx="10515600" cy="322701"/>
+          </a:xfrm>
+        </p:spPr>
+        <p:txBody>
+          <a:bodyPr>
+            <a:normAutofit fontScale="70000" lnSpcReduction="20000"/>
+          </a:bodyPr>
+          <a:lstStyle/>
+          <a:p>
+            <a:r>
+              <a:rPr lang="en-US" dirty="0"/>
+              <a:t>https://github.com/cblakley/TempSensor/blob/master/Documentation/ProjectSchedule.mpp</a:t>
+            </a:r>
+          </a:p>
+        </p:txBody>
+      </p:sp>
+      <p:pic>
+        <p:nvPicPr>
+          <p:cNvPr id="4" name="Picture 3"/>
+          <p:cNvPicPr>
+            <a:picLocks noChangeAspect="1"/>
+          </p:cNvPicPr>
+          <p:nvPr/>
+        </p:nvPicPr>
+        <p:blipFill>
+          <a:blip r:embed="rId2"/>
+          <a:stretch>
+            <a:fillRect/>
+          </a:stretch>
+        </p:blipFill>
+        <p:spPr>
+          <a:xfrm>
+            <a:off x="0" y="365760"/>
+            <a:ext cx="11765863" cy="4736110"/>
+          </a:xfrm>
+          <a:prstGeom prst="rect">
+            <a:avLst/>
+          </a:prstGeom>
+        </p:spPr>
+      </p:pic>
+    </p:spTree>
+    <p:extLst>
+      <p:ext uri="{BB962C8B-B14F-4D97-AF65-F5344CB8AC3E}">
+        <p14:creationId xmlns:p14="http://schemas.microsoft.com/office/powerpoint/2010/main" val="1306118123"/>
+      </p:ext>
+    </p:extLst>
+  </p:cSld>
+  <p:clrMapOvr>
+    <a:masterClrMapping/>
+  </p:clrMapOvr>
+</p:sld>
+</file>
+
+<file path=ppt/slides/slide5.xml><?xml version="1.0" encoding="utf-8"?>
 <p:sld xmlns:a="http://schemas.openxmlformats.org/drawingml/2006/main" xmlns:r="http://schemas.openxmlformats.org/officeDocument/2006/relationships" xmlns:p="http://schemas.openxmlformats.org/presentationml/2006/main">
   <p:cSld>
     <p:spTree>
@@ -3231,7 +3390,7 @@
 </p:sld>
 </file>
 
-<file path=ppt/slides/slide4.xml><?xml version="1.0" encoding="utf-8"?>
+<file path=ppt/slides/slide6.xml><?xml version="1.0" encoding="utf-8"?>
 <p:sld xmlns:a="http://schemas.openxmlformats.org/drawingml/2006/main" xmlns:r="http://schemas.openxmlformats.org/officeDocument/2006/relationships" xmlns:p="http://schemas.openxmlformats.org/presentationml/2006/main">
   <p:cSld>
     <p:spTree>
@@ -3305,6 +3464,89 @@
     <p:extLst>
       <p:ext uri="{BB962C8B-B14F-4D97-AF65-F5344CB8AC3E}">
         <p14:creationId xmlns:p14="http://schemas.microsoft.com/office/powerpoint/2010/main" val="322348369"/>
+      </p:ext>
+    </p:extLst>
+  </p:cSld>
+  <p:clrMapOvr>
+    <a:masterClrMapping/>
+  </p:clrMapOvr>
+</p:sld>
+</file>
+
+<file path=ppt/slides/slide7.xml><?xml version="1.0" encoding="utf-8"?>
+<p:sld xmlns:a="http://schemas.openxmlformats.org/drawingml/2006/main" xmlns:r="http://schemas.openxmlformats.org/officeDocument/2006/relationships" xmlns:p="http://schemas.openxmlformats.org/presentationml/2006/main">
+  <p:cSld>
+    <p:spTree>
+      <p:nvGrpSpPr>
+        <p:cNvPr id="1" name=""/>
+        <p:cNvGrpSpPr/>
+        <p:nvPr/>
+      </p:nvGrpSpPr>
+      <p:grpSpPr>
+        <a:xfrm>
+          <a:off x="0" y="0"/>
+          <a:ext cx="0" cy="0"/>
+          <a:chOff x="0" y="0"/>
+          <a:chExt cx="0" cy="0"/>
+        </a:xfrm>
+      </p:grpSpPr>
+      <p:sp>
+        <p:nvSpPr>
+          <p:cNvPr id="2" name="Title 1"/>
+          <p:cNvSpPr>
+            <a:spLocks noGrp="1"/>
+          </p:cNvSpPr>
+          <p:nvPr>
+            <p:ph type="title"/>
+          </p:nvPr>
+        </p:nvSpPr>
+        <p:spPr/>
+        <p:txBody>
+          <a:bodyPr/>
+          <a:lstStyle/>
+          <a:p>
+            <a:r>
+              <a:rPr lang="en-US" dirty="0" smtClean="0"/>
+              <a:t>Previous Courses</a:t>
+            </a:r>
+            <a:endParaRPr lang="en-US" dirty="0"/>
+          </a:p>
+        </p:txBody>
+      </p:sp>
+      <p:sp>
+        <p:nvSpPr>
+          <p:cNvPr id="3" name="Content Placeholder 2"/>
+          <p:cNvSpPr>
+            <a:spLocks noGrp="1"/>
+          </p:cNvSpPr>
+          <p:nvPr>
+            <p:ph idx="1"/>
+          </p:nvPr>
+        </p:nvSpPr>
+        <p:spPr/>
+        <p:txBody>
+          <a:bodyPr/>
+          <a:lstStyle/>
+          <a:p>
+            <a:r>
+              <a:rPr lang="en-US" smtClean="0"/>
+              <a:t>TECH101</a:t>
+            </a:r>
+            <a:endParaRPr lang="en-US" dirty="0" smtClean="0"/>
+          </a:p>
+          <a:p>
+            <a:r>
+              <a:rPr lang="en-US" dirty="0" smtClean="0"/>
+              <a:t>TECH153</a:t>
+            </a:r>
+            <a:endParaRPr lang="en-US" dirty="0"/>
+          </a:p>
+        </p:txBody>
+      </p:sp>
+    </p:spTree>
+    <p:extLst>
+      <p:ext uri="{BB962C8B-B14F-4D97-AF65-F5344CB8AC3E}">
+        <p14:creationId xmlns:p14="http://schemas.microsoft.com/office/powerpoint/2010/main" val="2350959836"/>
       </p:ext>
     </p:extLst>
   </p:cSld>
